--- a/sdl on gpu.pptx
+++ b/sdl on gpu.pptx
@@ -19,6 +19,12 @@
     <p:sldId id="268" r:id="rId13"/>
     <p:sldId id="269" r:id="rId14"/>
     <p:sldId id="270" r:id="rId15"/>
+    <p:sldId id="271" r:id="rId16"/>
+    <p:sldId id="272" r:id="rId17"/>
+    <p:sldId id="273" r:id="rId18"/>
+    <p:sldId id="274" r:id="rId19"/>
+    <p:sldId id="275" r:id="rId20"/>
+    <p:sldId id="276" r:id="rId21"/>
   </p:sldIdLst>
   <p:sldSz cx="12192000" cy="6858000"/>
   <p:notesSz cx="6858000" cy="9144000"/>
@@ -117,6 +123,11 @@
       </a:defRPr>
     </a:lvl9pPr>
   </p:defaultTextStyle>
+  <p:extLst>
+    <p:ext uri="{EFAFB233-063F-42B5-8137-9DF3F51BA10A}">
+      <p15:sldGuideLst xmlns:p15="http://schemas.microsoft.com/office/powerpoint/2012/main"/>
+    </p:ext>
+  </p:extLst>
 </p:presentation>
 </file>
 
@@ -267,7 +278,7 @@
           <a:p>
             <a:fld id="{0307F463-4772-4F3F-9576-ED04F536AF41}" type="datetimeFigureOut">
               <a:rPr lang="en-US" smtClean="0"/>
-              <a:t>3/24/2019</a:t>
+              <a:t>3/27/2019</a:t>
             </a:fld>
             <a:endParaRPr lang="en-US"/>
           </a:p>
@@ -465,7 +476,7 @@
           <a:p>
             <a:fld id="{0307F463-4772-4F3F-9576-ED04F536AF41}" type="datetimeFigureOut">
               <a:rPr lang="en-US" smtClean="0"/>
-              <a:t>3/24/2019</a:t>
+              <a:t>3/27/2019</a:t>
             </a:fld>
             <a:endParaRPr lang="en-US"/>
           </a:p>
@@ -673,7 +684,7 @@
           <a:p>
             <a:fld id="{0307F463-4772-4F3F-9576-ED04F536AF41}" type="datetimeFigureOut">
               <a:rPr lang="en-US" smtClean="0"/>
-              <a:t>3/24/2019</a:t>
+              <a:t>3/27/2019</a:t>
             </a:fld>
             <a:endParaRPr lang="en-US"/>
           </a:p>
@@ -871,7 +882,7 @@
           <a:p>
             <a:fld id="{0307F463-4772-4F3F-9576-ED04F536AF41}" type="datetimeFigureOut">
               <a:rPr lang="en-US" smtClean="0"/>
-              <a:t>3/24/2019</a:t>
+              <a:t>3/27/2019</a:t>
             </a:fld>
             <a:endParaRPr lang="en-US"/>
           </a:p>
@@ -1146,7 +1157,7 @@
           <a:p>
             <a:fld id="{0307F463-4772-4F3F-9576-ED04F536AF41}" type="datetimeFigureOut">
               <a:rPr lang="en-US" smtClean="0"/>
-              <a:t>3/24/2019</a:t>
+              <a:t>3/27/2019</a:t>
             </a:fld>
             <a:endParaRPr lang="en-US"/>
           </a:p>
@@ -1411,7 +1422,7 @@
           <a:p>
             <a:fld id="{0307F463-4772-4F3F-9576-ED04F536AF41}" type="datetimeFigureOut">
               <a:rPr lang="en-US" smtClean="0"/>
-              <a:t>3/24/2019</a:t>
+              <a:t>3/27/2019</a:t>
             </a:fld>
             <a:endParaRPr lang="en-US"/>
           </a:p>
@@ -1823,7 +1834,7 @@
           <a:p>
             <a:fld id="{0307F463-4772-4F3F-9576-ED04F536AF41}" type="datetimeFigureOut">
               <a:rPr lang="en-US" smtClean="0"/>
-              <a:t>3/24/2019</a:t>
+              <a:t>3/27/2019</a:t>
             </a:fld>
             <a:endParaRPr lang="en-US"/>
           </a:p>
@@ -1964,7 +1975,7 @@
           <a:p>
             <a:fld id="{0307F463-4772-4F3F-9576-ED04F536AF41}" type="datetimeFigureOut">
               <a:rPr lang="en-US" smtClean="0"/>
-              <a:t>3/24/2019</a:t>
+              <a:t>3/27/2019</a:t>
             </a:fld>
             <a:endParaRPr lang="en-US"/>
           </a:p>
@@ -2077,7 +2088,7 @@
           <a:p>
             <a:fld id="{0307F463-4772-4F3F-9576-ED04F536AF41}" type="datetimeFigureOut">
               <a:rPr lang="en-US" smtClean="0"/>
-              <a:t>3/24/2019</a:t>
+              <a:t>3/27/2019</a:t>
             </a:fld>
             <a:endParaRPr lang="en-US"/>
           </a:p>
@@ -2388,7 +2399,7 @@
           <a:p>
             <a:fld id="{0307F463-4772-4F3F-9576-ED04F536AF41}" type="datetimeFigureOut">
               <a:rPr lang="en-US" smtClean="0"/>
-              <a:t>3/24/2019</a:t>
+              <a:t>3/27/2019</a:t>
             </a:fld>
             <a:endParaRPr lang="en-US"/>
           </a:p>
@@ -2676,7 +2687,7 @@
           <a:p>
             <a:fld id="{0307F463-4772-4F3F-9576-ED04F536AF41}" type="datetimeFigureOut">
               <a:rPr lang="en-US" smtClean="0"/>
-              <a:t>3/24/2019</a:t>
+              <a:t>3/27/2019</a:t>
             </a:fld>
             <a:endParaRPr lang="en-US"/>
           </a:p>
@@ -2917,7 +2928,7 @@
           <a:p>
             <a:fld id="{0307F463-4772-4F3F-9576-ED04F536AF41}" type="datetimeFigureOut">
               <a:rPr lang="en-US" smtClean="0"/>
-              <a:t>3/24/2019</a:t>
+              <a:t>3/27/2019</a:t>
             </a:fld>
             <a:endParaRPr lang="en-US"/>
           </a:p>
@@ -3565,8 +3576,12 @@
           <a:lstStyle/>
           <a:p>
             <a:r>
+              <a:rPr lang="en-US" dirty="0" smtClean="0"/>
+              <a:t>EASGD (</a:t>
+            </a:r>
+            <a:r>
               <a:rPr lang="en-US" dirty="0"/>
-              <a:t>EASGD(Round-Robin)</a:t>
+              <a:t>Round-Robin)</a:t>
             </a:r>
           </a:p>
         </p:txBody>
@@ -3605,12 +3620,39 @@
           </a:p>
           <a:p>
             <a:r>
-              <a:rPr lang="en-US" dirty="0"/>
+              <a:rPr lang="en-US" dirty="0" smtClean="0"/>
               <a:t>Baseline</a:t>
             </a:r>
           </a:p>
-        </p:txBody>
-      </p:sp>
+          <a:p>
+            <a:endParaRPr lang="en-US" dirty="0"/>
+          </a:p>
+        </p:txBody>
+      </p:sp>
+      <p:pic>
+        <p:nvPicPr>
+          <p:cNvPr id="4" name="Picture 3"/>
+          <p:cNvPicPr>
+            <a:picLocks noChangeAspect="1"/>
+          </p:cNvPicPr>
+          <p:nvPr/>
+        </p:nvPicPr>
+        <p:blipFill>
+          <a:blip r:embed="rId2"/>
+          <a:stretch>
+            <a:fillRect/>
+          </a:stretch>
+        </p:blipFill>
+        <p:spPr>
+          <a:xfrm>
+            <a:off x="1869769" y="3720229"/>
+            <a:ext cx="7036236" cy="2153531"/>
+          </a:xfrm>
+          <a:prstGeom prst="rect">
+            <a:avLst/>
+          </a:prstGeom>
+        </p:spPr>
+      </p:pic>
     </p:spTree>
     <p:extLst>
       <p:ext uri="{BB962C8B-B14F-4D97-AF65-F5344CB8AC3E}">
@@ -3690,31 +3732,7 @@
           <a:bodyPr/>
           <a:lstStyle/>
           <a:p>
-            <a:r>
-              <a:rPr lang="en-US" dirty="0"/>
-              <a:t>Redesigning the parallel SGD methods</a:t>
-            </a:r>
-          </a:p>
-          <a:p>
-            <a:r>
-              <a:rPr lang="en-US" dirty="0"/>
-              <a:t>The computation and update of different GPUs are ordered, good fault-tolerance but inefficient.</a:t>
-            </a:r>
-          </a:p>
-          <a:p>
-            <a:r>
-              <a:rPr lang="en-US" dirty="0"/>
-              <a:t>To use parameter-server update to replace the round-robin update:</a:t>
-            </a:r>
-          </a:p>
-          <a:p>
-            <a:pPr marL="0" indent="0">
-              <a:buNone/>
-            </a:pPr>
-            <a:r>
-              <a:rPr lang="en-US" dirty="0"/>
-              <a:t>   Use FCFS strategy to process multiple workers</a:t>
-            </a:r>
+            <a:endParaRPr lang="en-US" dirty="0"/>
           </a:p>
         </p:txBody>
       </p:sp>
@@ -3769,19 +3787,21 @@
           <a:bodyPr/>
           <a:lstStyle/>
           <a:p>
-            <a:endParaRPr lang="en-US"/>
-          </a:p>
-        </p:txBody>
-      </p:sp>
-      <p:sp>
-        <p:nvSpPr>
-          <p:cNvPr id="3" name="Content Placeholder 2">
-            <a:extLst>
-              <a:ext uri="{FF2B5EF4-FFF2-40B4-BE49-F238E27FC236}">
-                <a16:creationId xmlns:a16="http://schemas.microsoft.com/office/drawing/2014/main" id="{9BF09FDA-9AD1-45CC-BFB9-95339463CD88}"/>
-              </a:ext>
-            </a:extLst>
-          </p:cNvPr>
+            <a:r>
+              <a:rPr lang="en-US" dirty="0" err="1" smtClean="0"/>
+              <a:t>Async</a:t>
+            </a:r>
+            <a:r>
+              <a:rPr lang="en-US" dirty="0" smtClean="0"/>
+              <a:t> EASGD</a:t>
+            </a:r>
+            <a:endParaRPr lang="en-US" dirty="0"/>
+          </a:p>
+        </p:txBody>
+      </p:sp>
+      <p:sp>
+        <p:nvSpPr>
+          <p:cNvPr id="7" name="Content Placeholder 6"/>
           <p:cNvSpPr>
             <a:spLocks noGrp="1"/>
           </p:cNvSpPr>
@@ -3789,12 +3809,45 @@
             <p:ph idx="1"/>
           </p:nvPr>
         </p:nvSpPr>
-        <p:spPr/>
-        <p:txBody>
-          <a:bodyPr/>
-          <a:lstStyle/>
-          <a:p>
-            <a:endParaRPr lang="en-US"/>
+        <p:spPr>
+          <a:xfrm>
+            <a:off x="780011" y="1762298"/>
+            <a:ext cx="10515600" cy="2918374"/>
+          </a:xfrm>
+        </p:spPr>
+        <p:txBody>
+          <a:bodyPr/>
+          <a:lstStyle/>
+          <a:p>
+            <a:r>
+              <a:rPr lang="en-US" dirty="0"/>
+              <a:t>Redesigning the parallel SGD methods</a:t>
+            </a:r>
+          </a:p>
+          <a:p>
+            <a:r>
+              <a:rPr lang="en-US" dirty="0"/>
+              <a:t>The computation and update of different GPUs are ordered, good fault-tolerance but inefficient.</a:t>
+            </a:r>
+          </a:p>
+          <a:p>
+            <a:r>
+              <a:rPr lang="en-US" dirty="0"/>
+              <a:t>To use parameter-server update to replace the round-robin update:</a:t>
+            </a:r>
+          </a:p>
+          <a:p>
+            <a:r>
+              <a:rPr lang="en-US" dirty="0" smtClean="0"/>
+              <a:t>Use </a:t>
+            </a:r>
+            <a:r>
+              <a:rPr lang="en-US" dirty="0"/>
+              <a:t>FCFS strategy to process multiple workers</a:t>
+            </a:r>
+          </a:p>
+          <a:p>
+            <a:endParaRPr lang="en-US" dirty="0"/>
           </a:p>
         </p:txBody>
       </p:sp>
@@ -3849,39 +3902,498 @@
           <a:bodyPr/>
           <a:lstStyle/>
           <a:p>
-            <a:endParaRPr lang="en-US"/>
-          </a:p>
-        </p:txBody>
-      </p:sp>
-      <p:sp>
-        <p:nvSpPr>
-          <p:cNvPr id="3" name="Content Placeholder 2">
-            <a:extLst>
-              <a:ext uri="{FF2B5EF4-FFF2-40B4-BE49-F238E27FC236}">
-                <a16:creationId xmlns:a16="http://schemas.microsoft.com/office/drawing/2014/main" id="{E9DBF926-D282-4C04-9560-99552EB553C1}"/>
-              </a:ext>
-            </a:extLst>
-          </p:cNvPr>
-          <p:cNvSpPr>
-            <a:spLocks noGrp="1"/>
-          </p:cNvSpPr>
+            <a:r>
+              <a:rPr lang="en-US" dirty="0" smtClean="0"/>
+              <a:t>During the t-</a:t>
+            </a:r>
+            <a:r>
+              <a:rPr lang="en-US" dirty="0" err="1" smtClean="0"/>
+              <a:t>th</a:t>
+            </a:r>
+            <a:r>
+              <a:rPr lang="en-US" dirty="0" smtClean="0"/>
+              <a:t> iteration</a:t>
+            </a:r>
+            <a:endParaRPr lang="en-US" dirty="0"/>
+          </a:p>
+        </p:txBody>
+      </p:sp>
+      <p:pic>
+        <p:nvPicPr>
+          <p:cNvPr id="4" name="Content Placeholder 3"/>
+          <p:cNvPicPr>
+            <a:picLocks noGrp="1" noChangeAspect="1"/>
+          </p:cNvPicPr>
           <p:nvPr>
             <p:ph idx="1"/>
           </p:nvPr>
-        </p:nvSpPr>
-        <p:spPr/>
-        <p:txBody>
-          <a:bodyPr/>
-          <a:lstStyle/>
-          <a:p>
-            <a:endParaRPr lang="en-US"/>
-          </a:p>
-        </p:txBody>
-      </p:sp>
+        </p:nvPicPr>
+        <p:blipFill>
+          <a:blip r:embed="rId2"/>
+          <a:stretch>
+            <a:fillRect/>
+          </a:stretch>
+        </p:blipFill>
+        <p:spPr>
+          <a:xfrm>
+            <a:off x="701363" y="1815379"/>
+            <a:ext cx="9581481" cy="2490614"/>
+          </a:xfrm>
+          <a:prstGeom prst="rect">
+            <a:avLst/>
+          </a:prstGeom>
+        </p:spPr>
+      </p:pic>
     </p:spTree>
     <p:extLst>
       <p:ext uri="{BB962C8B-B14F-4D97-AF65-F5344CB8AC3E}">
         <p14:creationId xmlns:p14="http://schemas.microsoft.com/office/powerpoint/2010/main" val="1292541606"/>
+      </p:ext>
+    </p:extLst>
+  </p:cSld>
+  <p:clrMapOvr>
+    <a:masterClrMapping/>
+  </p:clrMapOvr>
+</p:sld>
+</file>
+
+<file path=ppt/slides/slide15.xml><?xml version="1.0" encoding="utf-8"?>
+<p:sld xmlns:a="http://schemas.openxmlformats.org/drawingml/2006/main" xmlns:r="http://schemas.openxmlformats.org/officeDocument/2006/relationships" xmlns:p="http://schemas.openxmlformats.org/presentationml/2006/main">
+  <p:cSld>
+    <p:spTree>
+      <p:nvGrpSpPr>
+        <p:cNvPr id="1" name=""/>
+        <p:cNvGrpSpPr/>
+        <p:nvPr/>
+      </p:nvGrpSpPr>
+      <p:grpSpPr>
+        <a:xfrm>
+          <a:off x="0" y="0"/>
+          <a:ext cx="0" cy="0"/>
+          <a:chOff x="0" y="0"/>
+          <a:chExt cx="0" cy="0"/>
+        </a:xfrm>
+      </p:grpSpPr>
+      <p:sp>
+        <p:nvSpPr>
+          <p:cNvPr id="2" name="Title 1"/>
+          <p:cNvSpPr>
+            <a:spLocks noGrp="1"/>
+          </p:cNvSpPr>
+          <p:nvPr>
+            <p:ph type="title"/>
+          </p:nvPr>
+        </p:nvSpPr>
+        <p:spPr/>
+        <p:txBody>
+          <a:bodyPr/>
+          <a:lstStyle/>
+          <a:p>
+            <a:r>
+              <a:rPr lang="en-US" dirty="0" err="1" smtClean="0"/>
+              <a:t>Async</a:t>
+            </a:r>
+            <a:r>
+              <a:rPr lang="en-US" dirty="0" smtClean="0"/>
+              <a:t> MEASGD</a:t>
+            </a:r>
+            <a:endParaRPr lang="en-US" dirty="0"/>
+          </a:p>
+        </p:txBody>
+      </p:sp>
+      <p:sp>
+        <p:nvSpPr>
+          <p:cNvPr id="3" name="Content Placeholder 2"/>
+          <p:cNvSpPr>
+            <a:spLocks noGrp="1"/>
+          </p:cNvSpPr>
+          <p:nvPr>
+            <p:ph idx="1"/>
+          </p:nvPr>
+        </p:nvSpPr>
+        <p:spPr/>
+        <p:txBody>
+          <a:bodyPr/>
+          <a:lstStyle/>
+          <a:p>
+            <a:r>
+              <a:rPr lang="en-US" dirty="0" smtClean="0"/>
+              <a:t>Add a momentum parameter V, help accelerate gradient in the right direction </a:t>
+            </a:r>
+          </a:p>
+          <a:p>
+            <a:endParaRPr lang="en-US" dirty="0"/>
+          </a:p>
+        </p:txBody>
+      </p:sp>
+      <p:pic>
+        <p:nvPicPr>
+          <p:cNvPr id="4" name="Picture 3"/>
+          <p:cNvPicPr>
+            <a:picLocks noChangeAspect="1"/>
+          </p:cNvPicPr>
+          <p:nvPr/>
+        </p:nvPicPr>
+        <p:blipFill>
+          <a:blip r:embed="rId2"/>
+          <a:stretch>
+            <a:fillRect/>
+          </a:stretch>
+        </p:blipFill>
+        <p:spPr>
+          <a:xfrm>
+            <a:off x="1047750" y="2850976"/>
+            <a:ext cx="10306050" cy="3009900"/>
+          </a:xfrm>
+          <a:prstGeom prst="rect">
+            <a:avLst/>
+          </a:prstGeom>
+        </p:spPr>
+      </p:pic>
+    </p:spTree>
+    <p:extLst>
+      <p:ext uri="{BB962C8B-B14F-4D97-AF65-F5344CB8AC3E}">
+        <p14:creationId xmlns:p14="http://schemas.microsoft.com/office/powerpoint/2010/main" val="59733260"/>
+      </p:ext>
+    </p:extLst>
+  </p:cSld>
+  <p:clrMapOvr>
+    <a:masterClrMapping/>
+  </p:clrMapOvr>
+</p:sld>
+</file>
+
+<file path=ppt/slides/slide16.xml><?xml version="1.0" encoding="utf-8"?>
+<p:sld xmlns:a="http://schemas.openxmlformats.org/drawingml/2006/main" xmlns:r="http://schemas.openxmlformats.org/officeDocument/2006/relationships" xmlns:p="http://schemas.openxmlformats.org/presentationml/2006/main">
+  <p:cSld>
+    <p:spTree>
+      <p:nvGrpSpPr>
+        <p:cNvPr id="1" name=""/>
+        <p:cNvGrpSpPr/>
+        <p:nvPr/>
+      </p:nvGrpSpPr>
+      <p:grpSpPr>
+        <a:xfrm>
+          <a:off x="0" y="0"/>
+          <a:ext cx="0" cy="0"/>
+          <a:chOff x="0" y="0"/>
+          <a:chExt cx="0" cy="0"/>
+        </a:xfrm>
+      </p:grpSpPr>
+      <p:sp>
+        <p:nvSpPr>
+          <p:cNvPr id="2" name="Title 1"/>
+          <p:cNvSpPr>
+            <a:spLocks noGrp="1"/>
+          </p:cNvSpPr>
+          <p:nvPr>
+            <p:ph type="title"/>
+          </p:nvPr>
+        </p:nvSpPr>
+        <p:spPr/>
+        <p:txBody>
+          <a:bodyPr/>
+          <a:lstStyle/>
+          <a:p>
+            <a:r>
+              <a:rPr lang="en-US" dirty="0" err="1" smtClean="0"/>
+              <a:t>Hogwild</a:t>
+            </a:r>
+            <a:r>
+              <a:rPr lang="en-US" dirty="0" smtClean="0"/>
+              <a:t> EASGD</a:t>
+            </a:r>
+            <a:endParaRPr lang="en-US" dirty="0"/>
+          </a:p>
+        </p:txBody>
+      </p:sp>
+      <p:sp>
+        <p:nvSpPr>
+          <p:cNvPr id="3" name="Content Placeholder 2"/>
+          <p:cNvSpPr>
+            <a:spLocks noGrp="1"/>
+          </p:cNvSpPr>
+          <p:nvPr>
+            <p:ph idx="1"/>
+          </p:nvPr>
+        </p:nvSpPr>
+        <p:spPr/>
+        <p:txBody>
+          <a:bodyPr/>
+          <a:lstStyle/>
+          <a:p>
+            <a:r>
+              <a:rPr lang="en-US" dirty="0" smtClean="0"/>
+              <a:t>Remove the lock for faster convergence</a:t>
+            </a:r>
+            <a:endParaRPr lang="en-US" dirty="0"/>
+          </a:p>
+        </p:txBody>
+      </p:sp>
+    </p:spTree>
+    <p:extLst>
+      <p:ext uri="{BB962C8B-B14F-4D97-AF65-F5344CB8AC3E}">
+        <p14:creationId xmlns:p14="http://schemas.microsoft.com/office/powerpoint/2010/main" val="819822951"/>
+      </p:ext>
+    </p:extLst>
+  </p:cSld>
+  <p:clrMapOvr>
+    <a:masterClrMapping/>
+  </p:clrMapOvr>
+</p:sld>
+</file>
+
+<file path=ppt/slides/slide17.xml><?xml version="1.0" encoding="utf-8"?>
+<p:sld xmlns:a="http://schemas.openxmlformats.org/drawingml/2006/main" xmlns:r="http://schemas.openxmlformats.org/officeDocument/2006/relationships" xmlns:p="http://schemas.openxmlformats.org/presentationml/2006/main">
+  <p:cSld>
+    <p:spTree>
+      <p:nvGrpSpPr>
+        <p:cNvPr id="1" name=""/>
+        <p:cNvGrpSpPr/>
+        <p:nvPr/>
+      </p:nvGrpSpPr>
+      <p:grpSpPr>
+        <a:xfrm>
+          <a:off x="0" y="0"/>
+          <a:ext cx="0" cy="0"/>
+          <a:chOff x="0" y="0"/>
+          <a:chExt cx="0" cy="0"/>
+        </a:xfrm>
+      </p:grpSpPr>
+      <p:sp>
+        <p:nvSpPr>
+          <p:cNvPr id="2" name="Title 1"/>
+          <p:cNvSpPr>
+            <a:spLocks noGrp="1"/>
+          </p:cNvSpPr>
+          <p:nvPr>
+            <p:ph type="title"/>
+          </p:nvPr>
+        </p:nvSpPr>
+        <p:spPr/>
+        <p:txBody>
+          <a:bodyPr/>
+          <a:lstStyle/>
+          <a:p>
+            <a:r>
+              <a:rPr lang="en-US" dirty="0" smtClean="0"/>
+              <a:t>Sync EASGD</a:t>
+            </a:r>
+            <a:endParaRPr lang="en-US" dirty="0"/>
+          </a:p>
+        </p:txBody>
+      </p:sp>
+      <p:pic>
+        <p:nvPicPr>
+          <p:cNvPr id="4" name="Content Placeholder 3"/>
+          <p:cNvPicPr>
+            <a:picLocks noGrp="1" noChangeAspect="1"/>
+          </p:cNvPicPr>
+          <p:nvPr>
+            <p:ph idx="1"/>
+          </p:nvPr>
+        </p:nvPicPr>
+        <p:blipFill>
+          <a:blip r:embed="rId2"/>
+          <a:stretch>
+            <a:fillRect/>
+          </a:stretch>
+        </p:blipFill>
+        <p:spPr>
+          <a:xfrm>
+            <a:off x="704569" y="1891104"/>
+            <a:ext cx="9357744" cy="3607822"/>
+          </a:xfrm>
+          <a:prstGeom prst="rect">
+            <a:avLst/>
+          </a:prstGeom>
+        </p:spPr>
+      </p:pic>
+    </p:spTree>
+    <p:extLst>
+      <p:ext uri="{BB962C8B-B14F-4D97-AF65-F5344CB8AC3E}">
+        <p14:creationId xmlns:p14="http://schemas.microsoft.com/office/powerpoint/2010/main" val="539110008"/>
+      </p:ext>
+    </p:extLst>
+  </p:cSld>
+  <p:clrMapOvr>
+    <a:masterClrMapping/>
+  </p:clrMapOvr>
+</p:sld>
+</file>
+
+<file path=ppt/slides/slide18.xml><?xml version="1.0" encoding="utf-8"?>
+<p:sld xmlns:a="http://schemas.openxmlformats.org/drawingml/2006/main" xmlns:r="http://schemas.openxmlformats.org/officeDocument/2006/relationships" xmlns:p="http://schemas.openxmlformats.org/presentationml/2006/main">
+  <p:cSld>
+    <p:spTree>
+      <p:nvGrpSpPr>
+        <p:cNvPr id="1" name=""/>
+        <p:cNvGrpSpPr/>
+        <p:nvPr/>
+      </p:nvGrpSpPr>
+      <p:grpSpPr>
+        <a:xfrm>
+          <a:off x="0" y="0"/>
+          <a:ext cx="0" cy="0"/>
+          <a:chOff x="0" y="0"/>
+          <a:chExt cx="0" cy="0"/>
+        </a:xfrm>
+      </p:grpSpPr>
+      <p:sp>
+        <p:nvSpPr>
+          <p:cNvPr id="2" name="Title 1"/>
+          <p:cNvSpPr>
+            <a:spLocks noGrp="1"/>
+          </p:cNvSpPr>
+          <p:nvPr>
+            <p:ph type="title"/>
+          </p:nvPr>
+        </p:nvSpPr>
+        <p:spPr/>
+        <p:txBody>
+          <a:bodyPr/>
+          <a:lstStyle/>
+          <a:p>
+            <a:r>
+              <a:rPr lang="en-US" dirty="0" smtClean="0"/>
+              <a:t>Overall Comparison</a:t>
+            </a:r>
+            <a:endParaRPr lang="en-US" dirty="0"/>
+          </a:p>
+        </p:txBody>
+      </p:sp>
+      <p:pic>
+        <p:nvPicPr>
+          <p:cNvPr id="4" name="Content Placeholder 3"/>
+          <p:cNvPicPr>
+            <a:picLocks noGrp="1" noChangeAspect="1"/>
+          </p:cNvPicPr>
+          <p:nvPr>
+            <p:ph idx="1"/>
+          </p:nvPr>
+        </p:nvPicPr>
+        <p:blipFill>
+          <a:blip r:embed="rId2"/>
+          <a:stretch>
+            <a:fillRect/>
+          </a:stretch>
+        </p:blipFill>
+        <p:spPr>
+          <a:xfrm>
+            <a:off x="1390017" y="1531256"/>
+            <a:ext cx="8129763" cy="5159274"/>
+          </a:xfrm>
+          <a:prstGeom prst="rect">
+            <a:avLst/>
+          </a:prstGeom>
+        </p:spPr>
+      </p:pic>
+    </p:spTree>
+    <p:extLst>
+      <p:ext uri="{BB962C8B-B14F-4D97-AF65-F5344CB8AC3E}">
+        <p14:creationId xmlns:p14="http://schemas.microsoft.com/office/powerpoint/2010/main" val="3317575642"/>
+      </p:ext>
+    </p:extLst>
+  </p:cSld>
+  <p:clrMapOvr>
+    <a:masterClrMapping/>
+  </p:clrMapOvr>
+</p:sld>
+</file>
+
+<file path=ppt/slides/slide19.xml><?xml version="1.0" encoding="utf-8"?>
+<p:sld xmlns:a="http://schemas.openxmlformats.org/drawingml/2006/main" xmlns:r="http://schemas.openxmlformats.org/officeDocument/2006/relationships" xmlns:p="http://schemas.openxmlformats.org/presentationml/2006/main">
+  <p:cSld>
+    <p:spTree>
+      <p:nvGrpSpPr>
+        <p:cNvPr id="1" name=""/>
+        <p:cNvGrpSpPr/>
+        <p:nvPr/>
+      </p:nvGrpSpPr>
+      <p:grpSpPr>
+        <a:xfrm>
+          <a:off x="0" y="0"/>
+          <a:ext cx="0" cy="0"/>
+          <a:chOff x="0" y="0"/>
+          <a:chExt cx="0" cy="0"/>
+        </a:xfrm>
+      </p:grpSpPr>
+      <p:sp>
+        <p:nvSpPr>
+          <p:cNvPr id="2" name="Title 1"/>
+          <p:cNvSpPr>
+            <a:spLocks noGrp="1"/>
+          </p:cNvSpPr>
+          <p:nvPr>
+            <p:ph type="title"/>
+          </p:nvPr>
+        </p:nvSpPr>
+        <p:spPr/>
+        <p:txBody>
+          <a:bodyPr/>
+          <a:lstStyle/>
+          <a:p>
+            <a:r>
+              <a:rPr lang="en-US" dirty="0" smtClean="0"/>
+              <a:t>Single Layer Communication	</a:t>
+            </a:r>
+            <a:endParaRPr lang="en-US" dirty="0"/>
+          </a:p>
+        </p:txBody>
+      </p:sp>
+      <p:sp>
+        <p:nvSpPr>
+          <p:cNvPr id="3" name="Content Placeholder 2"/>
+          <p:cNvSpPr>
+            <a:spLocks noGrp="1"/>
+          </p:cNvSpPr>
+          <p:nvPr>
+            <p:ph idx="1"/>
+          </p:nvPr>
+        </p:nvSpPr>
+        <p:spPr/>
+        <p:txBody>
+          <a:bodyPr/>
+          <a:lstStyle/>
+          <a:p>
+            <a:r>
+              <a:rPr lang="en-US" dirty="0" smtClean="0"/>
+              <a:t>Allocate the neural networks in a contiguous way and pack all the layers together and conduct one communication each time. </a:t>
+            </a:r>
+          </a:p>
+          <a:p>
+            <a:endParaRPr lang="en-US" dirty="0"/>
+          </a:p>
+        </p:txBody>
+      </p:sp>
+      <p:pic>
+        <p:nvPicPr>
+          <p:cNvPr id="4" name="Picture 3"/>
+          <p:cNvPicPr>
+            <a:picLocks noChangeAspect="1"/>
+          </p:cNvPicPr>
+          <p:nvPr/>
+        </p:nvPicPr>
+        <p:blipFill>
+          <a:blip r:embed="rId2"/>
+          <a:stretch>
+            <a:fillRect/>
+          </a:stretch>
+        </p:blipFill>
+        <p:spPr>
+          <a:xfrm>
+            <a:off x="3220625" y="3071813"/>
+            <a:ext cx="5124450" cy="3105150"/>
+          </a:xfrm>
+          <a:prstGeom prst="rect">
+            <a:avLst/>
+          </a:prstGeom>
+        </p:spPr>
+      </p:pic>
+    </p:spTree>
+    <p:extLst>
+      <p:ext uri="{BB962C8B-B14F-4D97-AF65-F5344CB8AC3E}">
+        <p14:creationId xmlns:p14="http://schemas.microsoft.com/office/powerpoint/2010/main" val="4017474541"/>
       </p:ext>
     </p:extLst>
   </p:cSld>
@@ -4010,6 +4522,82 @@
     <p:extLst>
       <p:ext uri="{BB962C8B-B14F-4D97-AF65-F5344CB8AC3E}">
         <p14:creationId xmlns:p14="http://schemas.microsoft.com/office/powerpoint/2010/main" val="3463498293"/>
+      </p:ext>
+    </p:extLst>
+  </p:cSld>
+  <p:clrMapOvr>
+    <a:masterClrMapping/>
+  </p:clrMapOvr>
+</p:sld>
+</file>
+
+<file path=ppt/slides/slide20.xml><?xml version="1.0" encoding="utf-8"?>
+<p:sld xmlns:a="http://schemas.openxmlformats.org/drawingml/2006/main" xmlns:r="http://schemas.openxmlformats.org/officeDocument/2006/relationships" xmlns:p="http://schemas.openxmlformats.org/presentationml/2006/main">
+  <p:cSld>
+    <p:spTree>
+      <p:nvGrpSpPr>
+        <p:cNvPr id="1" name=""/>
+        <p:cNvGrpSpPr/>
+        <p:nvPr/>
+      </p:nvGrpSpPr>
+      <p:grpSpPr>
+        <a:xfrm>
+          <a:off x="0" y="0"/>
+          <a:ext cx="0" cy="0"/>
+          <a:chOff x="0" y="0"/>
+          <a:chExt cx="0" cy="0"/>
+        </a:xfrm>
+      </p:grpSpPr>
+      <p:sp>
+        <p:nvSpPr>
+          <p:cNvPr id="2" name="Title 1"/>
+          <p:cNvSpPr>
+            <a:spLocks noGrp="1"/>
+          </p:cNvSpPr>
+          <p:nvPr>
+            <p:ph type="title"/>
+          </p:nvPr>
+        </p:nvSpPr>
+        <p:spPr/>
+        <p:txBody>
+          <a:bodyPr/>
+          <a:lstStyle/>
+          <a:p>
+            <a:r>
+              <a:rPr lang="en-US" dirty="0" smtClean="0"/>
+              <a:t>Multi-GPU Optimization</a:t>
+            </a:r>
+            <a:endParaRPr lang="en-US" dirty="0"/>
+          </a:p>
+        </p:txBody>
+      </p:sp>
+      <p:sp>
+        <p:nvSpPr>
+          <p:cNvPr id="3" name="Content Placeholder 2"/>
+          <p:cNvSpPr>
+            <a:spLocks noGrp="1"/>
+          </p:cNvSpPr>
+          <p:nvPr>
+            <p:ph idx="1"/>
+          </p:nvPr>
+        </p:nvSpPr>
+        <p:spPr/>
+        <p:txBody>
+          <a:bodyPr/>
+          <a:lstStyle/>
+          <a:p>
+            <a:r>
+              <a:rPr lang="en-US" dirty="0" smtClean="0"/>
+              <a:t>Sync EASGD1, Sync EASGD2, and Sync EASGD3</a:t>
+            </a:r>
+            <a:endParaRPr lang="en-US" dirty="0"/>
+          </a:p>
+        </p:txBody>
+      </p:sp>
+    </p:spTree>
+    <p:extLst>
+      <p:ext uri="{BB962C8B-B14F-4D97-AF65-F5344CB8AC3E}">
+        <p14:creationId xmlns:p14="http://schemas.microsoft.com/office/powerpoint/2010/main" val="1666329576"/>
       </p:ext>
     </p:extLst>
   </p:cSld>

--- a/sdl on gpu.pptx
+++ b/sdl on gpu.pptx
@@ -25,6 +25,9 @@
     <p:sldId id="274" r:id="rId19"/>
     <p:sldId id="275" r:id="rId20"/>
     <p:sldId id="276" r:id="rId21"/>
+    <p:sldId id="277" r:id="rId22"/>
+    <p:sldId id="278" r:id="rId23"/>
+    <p:sldId id="279" r:id="rId24"/>
   </p:sldIdLst>
   <p:sldSz cx="12192000" cy="6858000"/>
   <p:notesSz cx="6858000" cy="9144000"/>
@@ -3576,12 +3579,8 @@
           <a:lstStyle/>
           <a:p>
             <a:r>
-              <a:rPr lang="en-US" dirty="0" smtClean="0"/>
-              <a:t>EASGD (</a:t>
-            </a:r>
-            <a:r>
-              <a:rPr lang="en-US" dirty="0"/>
-              <a:t>Round-Robin)</a:t>
+              <a:rPr lang="en-US" dirty="0"/>
+              <a:t>EASGD (Round-Robin)</a:t>
             </a:r>
           </a:p>
         </p:txBody>
@@ -3620,7 +3619,7 @@
           </a:p>
           <a:p>
             <a:r>
-              <a:rPr lang="en-US" dirty="0" smtClean="0"/>
+              <a:rPr lang="en-US" dirty="0"/>
               <a:t>Baseline</a:t>
             </a:r>
           </a:p>
@@ -3788,14 +3787,13 @@
           <a:lstStyle/>
           <a:p>
             <a:r>
-              <a:rPr lang="en-US" dirty="0" err="1" smtClean="0"/>
+              <a:rPr lang="en-US" dirty="0" err="1"/>
               <a:t>Async</a:t>
             </a:r>
             <a:r>
-              <a:rPr lang="en-US" dirty="0" smtClean="0"/>
+              <a:rPr lang="en-US" dirty="0"/>
               <a:t> EASGD</a:t>
             </a:r>
-            <a:endParaRPr lang="en-US" dirty="0"/>
           </a:p>
         </p:txBody>
       </p:sp>
@@ -3838,12 +3836,8 @@
           </a:p>
           <a:p>
             <a:r>
-              <a:rPr lang="en-US" dirty="0" smtClean="0"/>
-              <a:t>Use </a:t>
-            </a:r>
-            <a:r>
-              <a:rPr lang="en-US" dirty="0"/>
-              <a:t>FCFS strategy to process multiple workers</a:t>
+              <a:rPr lang="en-US" dirty="0"/>
+              <a:t>Use FCFS strategy to process multiple workers</a:t>
             </a:r>
           </a:p>
           <a:p>
@@ -3903,18 +3897,17 @@
           <a:lstStyle/>
           <a:p>
             <a:r>
-              <a:rPr lang="en-US" dirty="0" smtClean="0"/>
+              <a:rPr lang="en-US" dirty="0"/>
               <a:t>During the t-</a:t>
             </a:r>
             <a:r>
-              <a:rPr lang="en-US" dirty="0" err="1" smtClean="0"/>
+              <a:rPr lang="en-US" dirty="0" err="1"/>
               <a:t>th</a:t>
             </a:r>
             <a:r>
-              <a:rPr lang="en-US" dirty="0" smtClean="0"/>
+              <a:rPr lang="en-US" dirty="0"/>
               <a:t> iteration</a:t>
             </a:r>
-            <a:endParaRPr lang="en-US" dirty="0"/>
           </a:p>
         </p:txBody>
       </p:sp>
@@ -3990,14 +3983,13 @@
           <a:lstStyle/>
           <a:p>
             <a:r>
-              <a:rPr lang="en-US" dirty="0" err="1" smtClean="0"/>
+              <a:rPr lang="en-US" dirty="0" err="1"/>
               <a:t>Async</a:t>
             </a:r>
             <a:r>
-              <a:rPr lang="en-US" dirty="0" smtClean="0"/>
+              <a:rPr lang="en-US" dirty="0"/>
               <a:t> MEASGD</a:t>
             </a:r>
-            <a:endParaRPr lang="en-US" dirty="0"/>
           </a:p>
         </p:txBody>
       </p:sp>
@@ -4017,7 +4009,7 @@
           <a:lstStyle/>
           <a:p>
             <a:r>
-              <a:rPr lang="en-US" dirty="0" smtClean="0"/>
+              <a:rPr lang="en-US" dirty="0"/>
               <a:t>Add a momentum parameter V, help accelerate gradient in the right direction </a:t>
             </a:r>
           </a:p>
@@ -4096,14 +4088,13 @@
           <a:lstStyle/>
           <a:p>
             <a:r>
-              <a:rPr lang="en-US" dirty="0" err="1" smtClean="0"/>
+              <a:rPr lang="en-US" dirty="0" err="1"/>
               <a:t>Hogwild</a:t>
             </a:r>
             <a:r>
-              <a:rPr lang="en-US" dirty="0" smtClean="0"/>
+              <a:rPr lang="en-US" dirty="0"/>
               <a:t> EASGD</a:t>
             </a:r>
-            <a:endParaRPr lang="en-US" dirty="0"/>
           </a:p>
         </p:txBody>
       </p:sp>
@@ -4123,10 +4114,9 @@
           <a:lstStyle/>
           <a:p>
             <a:r>
-              <a:rPr lang="en-US" dirty="0" smtClean="0"/>
+              <a:rPr lang="en-US" dirty="0"/>
               <a:t>Remove the lock for faster convergence</a:t>
             </a:r>
-            <a:endParaRPr lang="en-US" dirty="0"/>
           </a:p>
         </p:txBody>
       </p:sp>
@@ -4176,10 +4166,9 @@
           <a:lstStyle/>
           <a:p>
             <a:r>
-              <a:rPr lang="en-US" dirty="0" smtClean="0"/>
+              <a:rPr lang="en-US" dirty="0"/>
               <a:t>Sync EASGD</a:t>
             </a:r>
-            <a:endParaRPr lang="en-US" dirty="0"/>
           </a:p>
         </p:txBody>
       </p:sp>
@@ -4255,10 +4244,9 @@
           <a:lstStyle/>
           <a:p>
             <a:r>
-              <a:rPr lang="en-US" dirty="0" smtClean="0"/>
+              <a:rPr lang="en-US" dirty="0"/>
               <a:t>Overall Comparison</a:t>
             </a:r>
-            <a:endParaRPr lang="en-US" dirty="0"/>
           </a:p>
         </p:txBody>
       </p:sp>
@@ -4334,10 +4322,9 @@
           <a:lstStyle/>
           <a:p>
             <a:r>
-              <a:rPr lang="en-US" dirty="0" smtClean="0"/>
+              <a:rPr lang="en-US" dirty="0"/>
               <a:t>Single Layer Communication	</a:t>
             </a:r>
-            <a:endParaRPr lang="en-US" dirty="0"/>
           </a:p>
         </p:txBody>
       </p:sp>
@@ -4357,7 +4344,7 @@
           <a:lstStyle/>
           <a:p>
             <a:r>
-              <a:rPr lang="en-US" dirty="0" smtClean="0"/>
+              <a:rPr lang="en-US" dirty="0"/>
               <a:t>Allocate the neural networks in a contiguous way and pack all the layers together and conduct one communication each time. </a:t>
             </a:r>
           </a:p>
@@ -4564,32 +4551,135 @@
           <a:lstStyle/>
           <a:p>
             <a:r>
-              <a:rPr lang="en-US" dirty="0" smtClean="0"/>
+              <a:rPr lang="en-US" dirty="0"/>
               <a:t>Multi-GPU Optimization</a:t>
             </a:r>
+          </a:p>
+        </p:txBody>
+      </p:sp>
+      <p:sp>
+        <p:nvSpPr>
+          <p:cNvPr id="3" name="Content Placeholder 2"/>
+          <p:cNvSpPr>
+            <a:spLocks noGrp="1"/>
+          </p:cNvSpPr>
+          <p:nvPr>
+            <p:ph idx="1"/>
+          </p:nvPr>
+        </p:nvSpPr>
+        <p:spPr/>
+        <p:txBody>
+          <a:bodyPr>
+            <a:normAutofit lnSpcReduction="10000"/>
+          </a:bodyPr>
+          <a:lstStyle/>
+          <a:p>
+            <a:r>
+              <a:rPr lang="en-US" dirty="0"/>
+              <a:t>Sync EASGD1, there are 8 potentially time-consuming parts:</a:t>
+            </a:r>
+          </a:p>
+          <a:p>
+            <a:pPr marL="514350" indent="-514350">
+              <a:buAutoNum type="arabicPeriod"/>
+            </a:pPr>
+            <a:r>
+              <a:rPr lang="en-US" dirty="0"/>
+              <a:t>Data I/O                                                                       ignore</a:t>
+            </a:r>
+          </a:p>
+          <a:p>
+            <a:pPr marL="514350" indent="-514350">
+              <a:buAutoNum type="arabicPeriod"/>
+            </a:pPr>
+            <a:r>
+              <a:rPr lang="en-US" dirty="0"/>
+              <a:t>Data and weight initialization                                  ignore</a:t>
+            </a:r>
+          </a:p>
+          <a:p>
+            <a:pPr marL="514350" indent="-514350">
+              <a:buAutoNum type="arabicPeriod"/>
+            </a:pPr>
+            <a:r>
+              <a:rPr lang="en-US" dirty="0"/>
+              <a:t>GPU-GPU parameter communication                    </a:t>
+            </a:r>
+            <a:r>
+              <a:rPr lang="en-US" dirty="0" err="1"/>
+              <a:t>communication</a:t>
+            </a:r>
             <a:endParaRPr lang="en-US" dirty="0"/>
           </a:p>
-        </p:txBody>
-      </p:sp>
-      <p:sp>
-        <p:nvSpPr>
-          <p:cNvPr id="3" name="Content Placeholder 2"/>
-          <p:cNvSpPr>
-            <a:spLocks noGrp="1"/>
-          </p:cNvSpPr>
-          <p:nvPr>
-            <p:ph idx="1"/>
-          </p:nvPr>
-        </p:nvSpPr>
-        <p:spPr/>
-        <p:txBody>
-          <a:bodyPr/>
-          <a:lstStyle/>
-          <a:p>
-            <a:r>
-              <a:rPr lang="en-US" dirty="0" smtClean="0"/>
-              <a:t>Sync EASGD1, Sync EASGD2, and Sync EASGD3</a:t>
-            </a:r>
+          <a:p>
+            <a:pPr marL="514350" indent="-514350">
+              <a:buAutoNum type="arabicPeriod"/>
+            </a:pPr>
+            <a:r>
+              <a:rPr lang="en-US" dirty="0"/>
+              <a:t>CPU-GPU data communication                               </a:t>
+            </a:r>
+            <a:r>
+              <a:rPr lang="en-US" dirty="0" err="1"/>
+              <a:t>communication</a:t>
+            </a:r>
+            <a:endParaRPr lang="en-US" dirty="0"/>
+          </a:p>
+          <a:p>
+            <a:pPr marL="514350" indent="-514350">
+              <a:buAutoNum type="arabicPeriod"/>
+            </a:pPr>
+            <a:r>
+              <a:rPr lang="en-US" dirty="0"/>
+              <a:t>CPU-GPU parameter communication                    </a:t>
+            </a:r>
+            <a:r>
+              <a:rPr lang="en-US" dirty="0" err="1"/>
+              <a:t>communication</a:t>
+            </a:r>
+            <a:endParaRPr lang="en-US" dirty="0"/>
+          </a:p>
+          <a:p>
+            <a:pPr marL="514350" indent="-514350">
+              <a:buAutoNum type="arabicPeriod"/>
+            </a:pPr>
+            <a:r>
+              <a:rPr lang="en-US" dirty="0"/>
+              <a:t>Forward and Backward propagation                      computation</a:t>
+            </a:r>
+          </a:p>
+          <a:p>
+            <a:pPr marL="514350" indent="-514350">
+              <a:buAutoNum type="arabicPeriod"/>
+            </a:pPr>
+            <a:r>
+              <a:rPr lang="en-US" dirty="0"/>
+              <a:t>GPU weight update                                                   computation</a:t>
+            </a:r>
+          </a:p>
+          <a:p>
+            <a:pPr marL="514350" indent="-514350">
+              <a:buAutoNum type="arabicPeriod"/>
+            </a:pPr>
+            <a:r>
+              <a:rPr lang="en-US" dirty="0"/>
+              <a:t>CPU weight update                                                    computation</a:t>
+            </a:r>
+          </a:p>
+          <a:p>
+            <a:pPr marL="0" indent="0">
+              <a:buNone/>
+            </a:pPr>
+            <a:endParaRPr lang="en-US" dirty="0"/>
+          </a:p>
+          <a:p>
+            <a:pPr marL="514350" indent="-514350">
+              <a:buAutoNum type="arabicPeriod"/>
+            </a:pPr>
+            <a:endParaRPr lang="en-US" dirty="0"/>
+          </a:p>
+          <a:p>
+            <a:pPr lvl="1"/>
             <a:endParaRPr lang="en-US" dirty="0"/>
           </a:p>
         </p:txBody>
@@ -4598,6 +4688,300 @@
     <p:extLst>
       <p:ext uri="{BB962C8B-B14F-4D97-AF65-F5344CB8AC3E}">
         <p14:creationId xmlns:p14="http://schemas.microsoft.com/office/powerpoint/2010/main" val="1666329576"/>
+      </p:ext>
+    </p:extLst>
+  </p:cSld>
+  <p:clrMapOvr>
+    <a:masterClrMapping/>
+  </p:clrMapOvr>
+</p:sld>
+</file>
+
+<file path=ppt/slides/slide21.xml><?xml version="1.0" encoding="utf-8"?>
+<p:sld xmlns:a="http://schemas.openxmlformats.org/drawingml/2006/main" xmlns:r="http://schemas.openxmlformats.org/officeDocument/2006/relationships" xmlns:p="http://schemas.openxmlformats.org/presentationml/2006/main">
+  <p:cSld>
+    <p:spTree>
+      <p:nvGrpSpPr>
+        <p:cNvPr id="1" name=""/>
+        <p:cNvGrpSpPr/>
+        <p:nvPr/>
+      </p:nvGrpSpPr>
+      <p:grpSpPr>
+        <a:xfrm>
+          <a:off x="0" y="0"/>
+          <a:ext cx="0" cy="0"/>
+          <a:chOff x="0" y="0"/>
+          <a:chExt cx="0" cy="0"/>
+        </a:xfrm>
+      </p:grpSpPr>
+      <p:sp>
+        <p:nvSpPr>
+          <p:cNvPr id="2" name="Title 1">
+            <a:extLst>
+              <a:ext uri="{FF2B5EF4-FFF2-40B4-BE49-F238E27FC236}">
+                <a16:creationId xmlns:a16="http://schemas.microsoft.com/office/drawing/2014/main" id="{199D50D5-E099-4C78-AC85-A3567A0A754B}"/>
+              </a:ext>
+            </a:extLst>
+          </p:cNvPr>
+          <p:cNvSpPr>
+            <a:spLocks noGrp="1"/>
+          </p:cNvSpPr>
+          <p:nvPr>
+            <p:ph type="title"/>
+          </p:nvPr>
+        </p:nvSpPr>
+        <p:spPr/>
+        <p:txBody>
+          <a:bodyPr/>
+          <a:lstStyle/>
+          <a:p>
+            <a:r>
+              <a:rPr lang="en-US" dirty="0"/>
+              <a:t> CPU-GPU data communication is the key	</a:t>
+            </a:r>
+          </a:p>
+        </p:txBody>
+      </p:sp>
+      <p:sp>
+        <p:nvSpPr>
+          <p:cNvPr id="3" name="Content Placeholder 2">
+            <a:extLst>
+              <a:ext uri="{FF2B5EF4-FFF2-40B4-BE49-F238E27FC236}">
+                <a16:creationId xmlns:a16="http://schemas.microsoft.com/office/drawing/2014/main" id="{1017F357-5BC6-4086-881A-644B8221727D}"/>
+              </a:ext>
+            </a:extLst>
+          </p:cNvPr>
+          <p:cNvSpPr>
+            <a:spLocks noGrp="1"/>
+          </p:cNvSpPr>
+          <p:nvPr>
+            <p:ph idx="1"/>
+          </p:nvPr>
+        </p:nvSpPr>
+        <p:spPr/>
+        <p:txBody>
+          <a:bodyPr/>
+          <a:lstStyle/>
+          <a:p>
+            <a:r>
+              <a:rPr lang="en-US" dirty="0"/>
+              <a:t>Sync EASGD1: P blocking send/receive operations can be efficiently processed by a tree-reduction operation(standard MPI reduction)</a:t>
+            </a:r>
+          </a:p>
+          <a:p>
+            <a:r>
+              <a:rPr lang="en-US" dirty="0"/>
+              <a:t>Sync EASGD2: Put all training and test data on the CPU, put all weights on GPU to reduce communication overhead.</a:t>
+            </a:r>
+          </a:p>
+          <a:p>
+            <a:r>
+              <a:rPr lang="en-US" dirty="0"/>
+              <a:t>Sync EASGD3: overlap critical path 7-10 and 11-12</a:t>
+            </a:r>
+          </a:p>
+          <a:p>
+            <a:endParaRPr lang="en-US" dirty="0"/>
+          </a:p>
+          <a:p>
+            <a:endParaRPr lang="en-US" dirty="0"/>
+          </a:p>
+        </p:txBody>
+      </p:sp>
+    </p:spTree>
+    <p:extLst>
+      <p:ext uri="{BB962C8B-B14F-4D97-AF65-F5344CB8AC3E}">
+        <p14:creationId xmlns:p14="http://schemas.microsoft.com/office/powerpoint/2010/main" val="1281440433"/>
+      </p:ext>
+    </p:extLst>
+  </p:cSld>
+  <p:clrMapOvr>
+    <a:masterClrMapping/>
+  </p:clrMapOvr>
+</p:sld>
+</file>
+
+<file path=ppt/slides/slide22.xml><?xml version="1.0" encoding="utf-8"?>
+<p:sld xmlns:a="http://schemas.openxmlformats.org/drawingml/2006/main" xmlns:r="http://schemas.openxmlformats.org/officeDocument/2006/relationships" xmlns:p="http://schemas.openxmlformats.org/presentationml/2006/main">
+  <p:cSld>
+    <p:spTree>
+      <p:nvGrpSpPr>
+        <p:cNvPr id="1" name=""/>
+        <p:cNvGrpSpPr/>
+        <p:nvPr/>
+      </p:nvGrpSpPr>
+      <p:grpSpPr>
+        <a:xfrm>
+          <a:off x="0" y="0"/>
+          <a:ext cx="0" cy="0"/>
+          <a:chOff x="0" y="0"/>
+          <a:chExt cx="0" cy="0"/>
+        </a:xfrm>
+      </p:grpSpPr>
+      <p:sp>
+        <p:nvSpPr>
+          <p:cNvPr id="2" name="Title 1">
+            <a:extLst>
+              <a:ext uri="{FF2B5EF4-FFF2-40B4-BE49-F238E27FC236}">
+                <a16:creationId xmlns:a16="http://schemas.microsoft.com/office/drawing/2014/main" id="{1AA8B9AE-4DBD-4981-A169-9F0918F21FE0}"/>
+              </a:ext>
+            </a:extLst>
+          </p:cNvPr>
+          <p:cNvSpPr>
+            <a:spLocks noGrp="1"/>
+          </p:cNvSpPr>
+          <p:nvPr>
+            <p:ph type="title"/>
+          </p:nvPr>
+        </p:nvSpPr>
+        <p:spPr/>
+        <p:txBody>
+          <a:bodyPr/>
+          <a:lstStyle/>
+          <a:p>
+            <a:endParaRPr lang="en-US"/>
+          </a:p>
+        </p:txBody>
+      </p:sp>
+      <p:sp>
+        <p:nvSpPr>
+          <p:cNvPr id="3" name="Content Placeholder 2">
+            <a:extLst>
+              <a:ext uri="{FF2B5EF4-FFF2-40B4-BE49-F238E27FC236}">
+                <a16:creationId xmlns:a16="http://schemas.microsoft.com/office/drawing/2014/main" id="{DC1A4D58-26C4-4652-9642-EC79EADBB7C6}"/>
+              </a:ext>
+            </a:extLst>
+          </p:cNvPr>
+          <p:cNvSpPr>
+            <a:spLocks noGrp="1"/>
+          </p:cNvSpPr>
+          <p:nvPr>
+            <p:ph idx="1"/>
+          </p:nvPr>
+        </p:nvSpPr>
+        <p:spPr/>
+        <p:txBody>
+          <a:bodyPr/>
+          <a:lstStyle/>
+          <a:p>
+            <a:endParaRPr lang="en-US"/>
+          </a:p>
+        </p:txBody>
+      </p:sp>
+      <p:pic>
+        <p:nvPicPr>
+          <p:cNvPr id="4" name="Picture 3">
+            <a:extLst>
+              <a:ext uri="{FF2B5EF4-FFF2-40B4-BE49-F238E27FC236}">
+                <a16:creationId xmlns:a16="http://schemas.microsoft.com/office/drawing/2014/main" id="{D7E4DABC-5B22-46D1-83F9-B83E1F61D0B8}"/>
+              </a:ext>
+            </a:extLst>
+          </p:cNvPr>
+          <p:cNvPicPr>
+            <a:picLocks noChangeAspect="1"/>
+          </p:cNvPicPr>
+          <p:nvPr/>
+        </p:nvPicPr>
+        <p:blipFill>
+          <a:blip r:embed="rId2"/>
+          <a:stretch>
+            <a:fillRect/>
+          </a:stretch>
+        </p:blipFill>
+        <p:spPr>
+          <a:xfrm>
+            <a:off x="2938462" y="295275"/>
+            <a:ext cx="6315075" cy="6267450"/>
+          </a:xfrm>
+          <a:prstGeom prst="rect">
+            <a:avLst/>
+          </a:prstGeom>
+        </p:spPr>
+      </p:pic>
+    </p:spTree>
+    <p:extLst>
+      <p:ext uri="{BB962C8B-B14F-4D97-AF65-F5344CB8AC3E}">
+        <p14:creationId xmlns:p14="http://schemas.microsoft.com/office/powerpoint/2010/main" val="1181581333"/>
+      </p:ext>
+    </p:extLst>
+  </p:cSld>
+  <p:clrMapOvr>
+    <a:masterClrMapping/>
+  </p:clrMapOvr>
+</p:sld>
+</file>
+
+<file path=ppt/slides/slide23.xml><?xml version="1.0" encoding="utf-8"?>
+<p:sld xmlns:a="http://schemas.openxmlformats.org/drawingml/2006/main" xmlns:r="http://schemas.openxmlformats.org/officeDocument/2006/relationships" xmlns:p="http://schemas.openxmlformats.org/presentationml/2006/main">
+  <p:cSld>
+    <p:spTree>
+      <p:nvGrpSpPr>
+        <p:cNvPr id="1" name=""/>
+        <p:cNvGrpSpPr/>
+        <p:nvPr/>
+      </p:nvGrpSpPr>
+      <p:grpSpPr>
+        <a:xfrm>
+          <a:off x="0" y="0"/>
+          <a:ext cx="0" cy="0"/>
+          <a:chOff x="0" y="0"/>
+          <a:chExt cx="0" cy="0"/>
+        </a:xfrm>
+      </p:grpSpPr>
+      <p:sp>
+        <p:nvSpPr>
+          <p:cNvPr id="2" name="Title 1">
+            <a:extLst>
+              <a:ext uri="{FF2B5EF4-FFF2-40B4-BE49-F238E27FC236}">
+                <a16:creationId xmlns:a16="http://schemas.microsoft.com/office/drawing/2014/main" id="{56A1F864-02FC-422D-B3A2-72F1DB3D59CA}"/>
+              </a:ext>
+            </a:extLst>
+          </p:cNvPr>
+          <p:cNvSpPr>
+            <a:spLocks noGrp="1"/>
+          </p:cNvSpPr>
+          <p:nvPr>
+            <p:ph type="title"/>
+          </p:nvPr>
+        </p:nvSpPr>
+        <p:spPr/>
+        <p:txBody>
+          <a:bodyPr/>
+          <a:lstStyle/>
+          <a:p>
+            <a:endParaRPr lang="en-US"/>
+          </a:p>
+        </p:txBody>
+      </p:sp>
+      <p:sp>
+        <p:nvSpPr>
+          <p:cNvPr id="3" name="Content Placeholder 2">
+            <a:extLst>
+              <a:ext uri="{FF2B5EF4-FFF2-40B4-BE49-F238E27FC236}">
+                <a16:creationId xmlns:a16="http://schemas.microsoft.com/office/drawing/2014/main" id="{DA6F30B8-11FA-4A06-A5CF-88C5313348A2}"/>
+              </a:ext>
+            </a:extLst>
+          </p:cNvPr>
+          <p:cNvSpPr>
+            <a:spLocks noGrp="1"/>
+          </p:cNvSpPr>
+          <p:nvPr>
+            <p:ph idx="1"/>
+          </p:nvPr>
+        </p:nvSpPr>
+        <p:spPr/>
+        <p:txBody>
+          <a:bodyPr/>
+          <a:lstStyle/>
+          <a:p>
+            <a:endParaRPr lang="en-US"/>
+          </a:p>
+        </p:txBody>
+      </p:sp>
+    </p:spTree>
+    <p:extLst>
+      <p:ext uri="{BB962C8B-B14F-4D97-AF65-F5344CB8AC3E}">
+        <p14:creationId xmlns:p14="http://schemas.microsoft.com/office/powerpoint/2010/main" val="614758205"/>
       </p:ext>
     </p:extLst>
   </p:cSld>

--- a/sdl on gpu.pptx
+++ b/sdl on gpu.pptx
@@ -28,6 +28,7 @@
     <p:sldId id="277" r:id="rId22"/>
     <p:sldId id="278" r:id="rId23"/>
     <p:sldId id="279" r:id="rId24"/>
+    <p:sldId id="280" r:id="rId25"/>
   </p:sldIdLst>
   <p:sldSz cx="12192000" cy="6858000"/>
   <p:notesSz cx="6858000" cy="9144000"/>
@@ -281,7 +282,7 @@
           <a:p>
             <a:fld id="{0307F463-4772-4F3F-9576-ED04F536AF41}" type="datetimeFigureOut">
               <a:rPr lang="en-US" smtClean="0"/>
-              <a:t>3/27/2019</a:t>
+              <a:t>3/28/2019</a:t>
             </a:fld>
             <a:endParaRPr lang="en-US"/>
           </a:p>
@@ -479,7 +480,7 @@
           <a:p>
             <a:fld id="{0307F463-4772-4F3F-9576-ED04F536AF41}" type="datetimeFigureOut">
               <a:rPr lang="en-US" smtClean="0"/>
-              <a:t>3/27/2019</a:t>
+              <a:t>3/28/2019</a:t>
             </a:fld>
             <a:endParaRPr lang="en-US"/>
           </a:p>
@@ -687,7 +688,7 @@
           <a:p>
             <a:fld id="{0307F463-4772-4F3F-9576-ED04F536AF41}" type="datetimeFigureOut">
               <a:rPr lang="en-US" smtClean="0"/>
-              <a:t>3/27/2019</a:t>
+              <a:t>3/28/2019</a:t>
             </a:fld>
             <a:endParaRPr lang="en-US"/>
           </a:p>
@@ -885,7 +886,7 @@
           <a:p>
             <a:fld id="{0307F463-4772-4F3F-9576-ED04F536AF41}" type="datetimeFigureOut">
               <a:rPr lang="en-US" smtClean="0"/>
-              <a:t>3/27/2019</a:t>
+              <a:t>3/28/2019</a:t>
             </a:fld>
             <a:endParaRPr lang="en-US"/>
           </a:p>
@@ -1160,7 +1161,7 @@
           <a:p>
             <a:fld id="{0307F463-4772-4F3F-9576-ED04F536AF41}" type="datetimeFigureOut">
               <a:rPr lang="en-US" smtClean="0"/>
-              <a:t>3/27/2019</a:t>
+              <a:t>3/28/2019</a:t>
             </a:fld>
             <a:endParaRPr lang="en-US"/>
           </a:p>
@@ -1425,7 +1426,7 @@
           <a:p>
             <a:fld id="{0307F463-4772-4F3F-9576-ED04F536AF41}" type="datetimeFigureOut">
               <a:rPr lang="en-US" smtClean="0"/>
-              <a:t>3/27/2019</a:t>
+              <a:t>3/28/2019</a:t>
             </a:fld>
             <a:endParaRPr lang="en-US"/>
           </a:p>
@@ -1837,7 +1838,7 @@
           <a:p>
             <a:fld id="{0307F463-4772-4F3F-9576-ED04F536AF41}" type="datetimeFigureOut">
               <a:rPr lang="en-US" smtClean="0"/>
-              <a:t>3/27/2019</a:t>
+              <a:t>3/28/2019</a:t>
             </a:fld>
             <a:endParaRPr lang="en-US"/>
           </a:p>
@@ -1978,7 +1979,7 @@
           <a:p>
             <a:fld id="{0307F463-4772-4F3F-9576-ED04F536AF41}" type="datetimeFigureOut">
               <a:rPr lang="en-US" smtClean="0"/>
-              <a:t>3/27/2019</a:t>
+              <a:t>3/28/2019</a:t>
             </a:fld>
             <a:endParaRPr lang="en-US"/>
           </a:p>
@@ -2091,7 +2092,7 @@
           <a:p>
             <a:fld id="{0307F463-4772-4F3F-9576-ED04F536AF41}" type="datetimeFigureOut">
               <a:rPr lang="en-US" smtClean="0"/>
-              <a:t>3/27/2019</a:t>
+              <a:t>3/28/2019</a:t>
             </a:fld>
             <a:endParaRPr lang="en-US"/>
           </a:p>
@@ -2402,7 +2403,7 @@
           <a:p>
             <a:fld id="{0307F463-4772-4F3F-9576-ED04F536AF41}" type="datetimeFigureOut">
               <a:rPr lang="en-US" smtClean="0"/>
-              <a:t>3/27/2019</a:t>
+              <a:t>3/28/2019</a:t>
             </a:fld>
             <a:endParaRPr lang="en-US"/>
           </a:p>
@@ -2690,7 +2691,7 @@
           <a:p>
             <a:fld id="{0307F463-4772-4F3F-9576-ED04F536AF41}" type="datetimeFigureOut">
               <a:rPr lang="en-US" smtClean="0"/>
-              <a:t>3/27/2019</a:t>
+              <a:t>3/28/2019</a:t>
             </a:fld>
             <a:endParaRPr lang="en-US"/>
           </a:p>
@@ -2931,7 +2932,7 @@
           <a:p>
             <a:fld id="{0307F463-4772-4F3F-9576-ED04F536AF41}" type="datetimeFigureOut">
               <a:rPr lang="en-US" smtClean="0"/>
-              <a:t>3/27/2019</a:t>
+              <a:t>3/28/2019</a:t>
             </a:fld>
             <a:endParaRPr lang="en-US"/>
           </a:p>
@@ -4864,7 +4865,7 @@
           <a:bodyPr/>
           <a:lstStyle/>
           <a:p>
-            <a:endParaRPr lang="en-US"/>
+            <a:endParaRPr lang="en-US" dirty="0"/>
           </a:p>
         </p:txBody>
       </p:sp>
@@ -4890,7 +4891,7 @@
         </p:blipFill>
         <p:spPr>
           <a:xfrm>
-            <a:off x="2938462" y="295275"/>
+            <a:off x="2765467" y="225425"/>
             <a:ext cx="6315075" cy="6267450"/>
           </a:xfrm>
           <a:prstGeom prst="rect">
@@ -4949,7 +4950,10 @@
           <a:bodyPr/>
           <a:lstStyle/>
           <a:p>
-            <a:endParaRPr lang="en-US"/>
+            <a:r>
+              <a:rPr lang="en-US" dirty="0"/>
+              <a:t>Knights Landing Optimization	</a:t>
+            </a:r>
           </a:p>
         </p:txBody>
       </p:sp>
@@ -4974,14 +4978,166 @@
           <a:bodyPr/>
           <a:lstStyle/>
           <a:p>
-            <a:endParaRPr lang="en-US"/>
-          </a:p>
-        </p:txBody>
-      </p:sp>
+            <a:r>
+              <a:rPr lang="en-US" dirty="0"/>
+              <a:t>68 cores or 72 cores, data locality, divide-and-conquer method:</a:t>
+            </a:r>
+          </a:p>
+          <a:p>
+            <a:r>
+              <a:rPr lang="en-US" dirty="0"/>
+              <a:t>Divide: replicating data and</a:t>
+            </a:r>
+          </a:p>
+          <a:p>
+            <a:pPr marL="0" indent="0">
+              <a:buNone/>
+            </a:pPr>
+            <a:r>
+              <a:rPr lang="en-US" dirty="0"/>
+              <a:t>Copying weights</a:t>
+            </a:r>
+          </a:p>
+          <a:p>
+            <a:r>
+              <a:rPr lang="en-US" dirty="0"/>
+              <a:t>Conquer: sum up the gradients</a:t>
+            </a:r>
+          </a:p>
+          <a:p>
+            <a:pPr marL="0" indent="0">
+              <a:buNone/>
+            </a:pPr>
+            <a:r>
+              <a:rPr lang="en-US" dirty="0"/>
+              <a:t>From all partitions</a:t>
+            </a:r>
+          </a:p>
+          <a:p>
+            <a:endParaRPr lang="en-US" dirty="0"/>
+          </a:p>
+        </p:txBody>
+      </p:sp>
+      <p:pic>
+        <p:nvPicPr>
+          <p:cNvPr id="4" name="Picture 3">
+            <a:extLst>
+              <a:ext uri="{FF2B5EF4-FFF2-40B4-BE49-F238E27FC236}">
+                <a16:creationId xmlns:a16="http://schemas.microsoft.com/office/drawing/2014/main" id="{5753B117-2E77-4264-9B9F-FA62E9D3A3DE}"/>
+              </a:ext>
+            </a:extLst>
+          </p:cNvPr>
+          <p:cNvPicPr>
+            <a:picLocks noChangeAspect="1"/>
+          </p:cNvPicPr>
+          <p:nvPr/>
+        </p:nvPicPr>
+        <p:blipFill>
+          <a:blip r:embed="rId2"/>
+          <a:stretch>
+            <a:fillRect/>
+          </a:stretch>
+        </p:blipFill>
+        <p:spPr>
+          <a:xfrm>
+            <a:off x="6096000" y="2585897"/>
+            <a:ext cx="5871914" cy="3841075"/>
+          </a:xfrm>
+          <a:prstGeom prst="rect">
+            <a:avLst/>
+          </a:prstGeom>
+        </p:spPr>
+      </p:pic>
     </p:spTree>
     <p:extLst>
       <p:ext uri="{BB962C8B-B14F-4D97-AF65-F5344CB8AC3E}">
         <p14:creationId xmlns:p14="http://schemas.microsoft.com/office/powerpoint/2010/main" val="614758205"/>
+      </p:ext>
+    </p:extLst>
+  </p:cSld>
+  <p:clrMapOvr>
+    <a:masterClrMapping/>
+  </p:clrMapOvr>
+</p:sld>
+</file>
+
+<file path=ppt/slides/slide24.xml><?xml version="1.0" encoding="utf-8"?>
+<p:sld xmlns:a="http://schemas.openxmlformats.org/drawingml/2006/main" xmlns:r="http://schemas.openxmlformats.org/officeDocument/2006/relationships" xmlns:p="http://schemas.openxmlformats.org/presentationml/2006/main">
+  <p:cSld>
+    <p:spTree>
+      <p:nvGrpSpPr>
+        <p:cNvPr id="1" name=""/>
+        <p:cNvGrpSpPr/>
+        <p:nvPr/>
+      </p:nvGrpSpPr>
+      <p:grpSpPr>
+        <a:xfrm>
+          <a:off x="0" y="0"/>
+          <a:ext cx="0" cy="0"/>
+          <a:chOff x="0" y="0"/>
+          <a:chExt cx="0" cy="0"/>
+        </a:xfrm>
+      </p:grpSpPr>
+      <p:sp>
+        <p:nvSpPr>
+          <p:cNvPr id="2" name="Title 1">
+            <a:extLst>
+              <a:ext uri="{FF2B5EF4-FFF2-40B4-BE49-F238E27FC236}">
+                <a16:creationId xmlns:a16="http://schemas.microsoft.com/office/drawing/2014/main" id="{BA627D92-B940-4D38-9516-07A4B5C23E9F}"/>
+              </a:ext>
+            </a:extLst>
+          </p:cNvPr>
+          <p:cNvSpPr>
+            <a:spLocks noGrp="1"/>
+          </p:cNvSpPr>
+          <p:nvPr>
+            <p:ph type="title"/>
+          </p:nvPr>
+        </p:nvSpPr>
+        <p:spPr/>
+        <p:txBody>
+          <a:bodyPr/>
+          <a:lstStyle/>
+          <a:p>
+            <a:r>
+              <a:rPr lang="en-US" dirty="0"/>
+              <a:t>Thanks!</a:t>
+            </a:r>
+          </a:p>
+        </p:txBody>
+      </p:sp>
+      <p:sp>
+        <p:nvSpPr>
+          <p:cNvPr id="3" name="Content Placeholder 2">
+            <a:extLst>
+              <a:ext uri="{FF2B5EF4-FFF2-40B4-BE49-F238E27FC236}">
+                <a16:creationId xmlns:a16="http://schemas.microsoft.com/office/drawing/2014/main" id="{2B527613-6AA4-44DC-AA6D-D9276A75E2CC}"/>
+              </a:ext>
+            </a:extLst>
+          </p:cNvPr>
+          <p:cNvSpPr>
+            <a:spLocks noGrp="1"/>
+          </p:cNvSpPr>
+          <p:nvPr>
+            <p:ph idx="1"/>
+          </p:nvPr>
+        </p:nvSpPr>
+        <p:spPr/>
+        <p:txBody>
+          <a:bodyPr/>
+          <a:lstStyle/>
+          <a:p>
+            <a:pPr marL="0" indent="0">
+              <a:buNone/>
+            </a:pPr>
+            <a:endParaRPr lang="en-US" dirty="0"/>
+          </a:p>
+        </p:txBody>
+      </p:sp>
+    </p:spTree>
+    <p:extLst>
+      <p:ext uri="{BB962C8B-B14F-4D97-AF65-F5344CB8AC3E}">
+        <p14:creationId xmlns:p14="http://schemas.microsoft.com/office/powerpoint/2010/main" val="3386933639"/>
       </p:ext>
     </p:extLst>
   </p:cSld>
